--- a/Non-Python Stats Stuff/Slides/Organizing & Visualizing Data.pptx
+++ b/Non-Python Stats Stuff/Slides/Organizing & Visualizing Data.pptx
@@ -9568,7 +9568,7 @@
             <a:tbl>
               <a:tblPr>
                 <a:noFill/>
-                <a:tableStyleId>{33CAED9C-5C55-451F-897F-6ABB0B59FAC5}</a:tableStyleId>
+                <a:tableStyleId>{FBEAD5BC-E3A4-4ACA-AAB9-D6E915E4D777}</a:tableStyleId>
               </a:tblPr>
               <a:tblGrid>
                 <a:gridCol w="1879225"/>
@@ -9942,7 +9942,7 @@
             <a:tbl>
               <a:tblPr>
                 <a:noFill/>
-                <a:tableStyleId>{33CAED9C-5C55-451F-897F-6ABB0B59FAC5}</a:tableStyleId>
+                <a:tableStyleId>{FBEAD5BC-E3A4-4ACA-AAB9-D6E915E4D777}</a:tableStyleId>
               </a:tblPr>
               <a:tblGrid>
                 <a:gridCol w="1879225"/>
@@ -10316,7 +10316,7 @@
             <a:tbl>
               <a:tblPr>
                 <a:noFill/>
-                <a:tableStyleId>{33CAED9C-5C55-451F-897F-6ABB0B59FAC5}</a:tableStyleId>
+                <a:tableStyleId>{FBEAD5BC-E3A4-4ACA-AAB9-D6E915E4D777}</a:tableStyleId>
               </a:tblPr>
               <a:tblGrid>
                 <a:gridCol w="1318475"/>
@@ -10905,7 +10905,7 @@
             <a:tbl>
               <a:tblPr>
                 <a:noFill/>
-                <a:tableStyleId>{33CAED9C-5C55-451F-897F-6ABB0B59FAC5}</a:tableStyleId>
+                <a:tableStyleId>{FBEAD5BC-E3A4-4ACA-AAB9-D6E915E4D777}</a:tableStyleId>
               </a:tblPr>
               <a:tblGrid>
                 <a:gridCol w="1318475"/>
@@ -11494,7 +11494,7 @@
             <a:tbl>
               <a:tblPr>
                 <a:noFill/>
-                <a:tableStyleId>{33CAED9C-5C55-451F-897F-6ABB0B59FAC5}</a:tableStyleId>
+                <a:tableStyleId>{FBEAD5BC-E3A4-4ACA-AAB9-D6E915E4D777}</a:tableStyleId>
               </a:tblPr>
               <a:tblGrid>
                 <a:gridCol w="1318475"/>
@@ -12977,7 +12977,7 @@
             <a:tbl>
               <a:tblPr>
                 <a:noFill/>
-                <a:tableStyleId>{33CAED9C-5C55-451F-897F-6ABB0B59FAC5}</a:tableStyleId>
+                <a:tableStyleId>{FBEAD5BC-E3A4-4ACA-AAB9-D6E915E4D777}</a:tableStyleId>
               </a:tblPr>
               <a:tblGrid>
                 <a:gridCol w="2329775"/>
@@ -14856,7 +14856,7 @@
             <a:tbl>
               <a:tblPr>
                 <a:noFill/>
-                <a:tableStyleId>{33CAED9C-5C55-451F-897F-6ABB0B59FAC5}</a:tableStyleId>
+                <a:tableStyleId>{FBEAD5BC-E3A4-4ACA-AAB9-D6E915E4D777}</a:tableStyleId>
               </a:tblPr>
               <a:tblGrid>
                 <a:gridCol w="2092050"/>
@@ -16066,7 +16066,7 @@
             <a:tbl>
               <a:tblPr>
                 <a:noFill/>
-                <a:tableStyleId>{06AF757D-25F8-44E1-8041-57A17C8F7FB4}</a:tableStyleId>
+                <a:tableStyleId>{1C52BCCC-8B57-4E4B-B95F-BB348A152FD8}</a:tableStyleId>
               </a:tblPr>
               <a:tblGrid>
                 <a:gridCol w="952500"/>
@@ -18602,7 +18602,7 @@
             <a:tbl>
               <a:tblPr>
                 <a:noFill/>
-                <a:tableStyleId>{33CAED9C-5C55-451F-897F-6ABB0B59FAC5}</a:tableStyleId>
+                <a:tableStyleId>{FBEAD5BC-E3A4-4ACA-AAB9-D6E915E4D777}</a:tableStyleId>
               </a:tblPr>
               <a:tblGrid>
                 <a:gridCol w="2413000"/>
@@ -19779,7 +19779,7 @@
             <a:tbl>
               <a:tblPr>
                 <a:noFill/>
-                <a:tableStyleId>{33CAED9C-5C55-451F-897F-6ABB0B59FAC5}</a:tableStyleId>
+                <a:tableStyleId>{FBEAD5BC-E3A4-4ACA-AAB9-D6E915E4D777}</a:tableStyleId>
               </a:tblPr>
               <a:tblGrid>
                 <a:gridCol w="1447800"/>
@@ -20719,7 +20719,7 @@
             <a:tbl>
               <a:tblPr>
                 <a:noFill/>
-                <a:tableStyleId>{33CAED9C-5C55-451F-897F-6ABB0B59FAC5}</a:tableStyleId>
+                <a:tableStyleId>{FBEAD5BC-E3A4-4ACA-AAB9-D6E915E4D777}</a:tableStyleId>
               </a:tblPr>
               <a:tblGrid>
                 <a:gridCol w="1447800"/>
@@ -21667,7 +21667,7 @@
             <a:tbl>
               <a:tblPr>
                 <a:noFill/>
-                <a:tableStyleId>{33CAED9C-5C55-451F-897F-6ABB0B59FAC5}</a:tableStyleId>
+                <a:tableStyleId>{FBEAD5BC-E3A4-4ACA-AAB9-D6E915E4D777}</a:tableStyleId>
               </a:tblPr>
               <a:tblGrid>
                 <a:gridCol w="1447800"/>
@@ -22540,7 +22540,7 @@
             <a:tbl>
               <a:tblPr>
                 <a:noFill/>
-                <a:tableStyleId>{33CAED9C-5C55-451F-897F-6ABB0B59FAC5}</a:tableStyleId>
+                <a:tableStyleId>{FBEAD5BC-E3A4-4ACA-AAB9-D6E915E4D777}</a:tableStyleId>
               </a:tblPr>
               <a:tblGrid>
                 <a:gridCol w="1879225"/>
@@ -22914,7 +22914,7 @@
             <a:tbl>
               <a:tblPr>
                 <a:noFill/>
-                <a:tableStyleId>{33CAED9C-5C55-451F-897F-6ABB0B59FAC5}</a:tableStyleId>
+                <a:tableStyleId>{FBEAD5BC-E3A4-4ACA-AAB9-D6E915E4D777}</a:tableStyleId>
               </a:tblPr>
               <a:tblGrid>
                 <a:gridCol w="1879225"/>
@@ -23288,7 +23288,7 @@
             <a:tbl>
               <a:tblPr>
                 <a:noFill/>
-                <a:tableStyleId>{33CAED9C-5C55-451F-897F-6ABB0B59FAC5}</a:tableStyleId>
+                <a:tableStyleId>{FBEAD5BC-E3A4-4ACA-AAB9-D6E915E4D777}</a:tableStyleId>
               </a:tblPr>
               <a:tblGrid>
                 <a:gridCol w="1879225"/>
